--- a/6.Networking/06-Networking.pptx
+++ b/6.Networking/06-Networking.pptx
@@ -310,7 +310,7 @@
           <a:p>
             <a:fld id="{3EA744D9-3FBE-48D8-BF2A-85DF203E4D20}" type="datetimeFigureOut">
               <a:rPr lang="bg-BG" smtClean="0"/>
-              <a:t>6.12.2016 г.</a:t>
+              <a:t>20.03.17 г.</a:t>
             </a:fld>
             <a:endParaRPr lang="bg-BG"/>
           </a:p>
@@ -480,7 +480,7 @@
           <a:p>
             <a:fld id="{3EA744D9-3FBE-48D8-BF2A-85DF203E4D20}" type="datetimeFigureOut">
               <a:rPr lang="bg-BG" smtClean="0"/>
-              <a:t>6.12.2016 г.</a:t>
+              <a:t>20.03.17 г.</a:t>
             </a:fld>
             <a:endParaRPr lang="bg-BG"/>
           </a:p>
@@ -660,7 +660,7 @@
           <a:p>
             <a:fld id="{3EA744D9-3FBE-48D8-BF2A-85DF203E4D20}" type="datetimeFigureOut">
               <a:rPr lang="bg-BG" smtClean="0"/>
-              <a:t>6.12.2016 г.</a:t>
+              <a:t>20.03.17 г.</a:t>
             </a:fld>
             <a:endParaRPr lang="bg-BG"/>
           </a:p>
@@ -830,7 +830,7 @@
           <a:p>
             <a:fld id="{3EA744D9-3FBE-48D8-BF2A-85DF203E4D20}" type="datetimeFigureOut">
               <a:rPr lang="bg-BG" smtClean="0"/>
-              <a:t>6.12.2016 г.</a:t>
+              <a:t>20.03.17 г.</a:t>
             </a:fld>
             <a:endParaRPr lang="bg-BG"/>
           </a:p>
@@ -1076,7 +1076,7 @@
           <a:p>
             <a:fld id="{3EA744D9-3FBE-48D8-BF2A-85DF203E4D20}" type="datetimeFigureOut">
               <a:rPr lang="bg-BG" smtClean="0"/>
-              <a:t>6.12.2016 г.</a:t>
+              <a:t>20.03.17 г.</a:t>
             </a:fld>
             <a:endParaRPr lang="bg-BG"/>
           </a:p>
@@ -1364,7 +1364,7 @@
           <a:p>
             <a:fld id="{3EA744D9-3FBE-48D8-BF2A-85DF203E4D20}" type="datetimeFigureOut">
               <a:rPr lang="bg-BG" smtClean="0"/>
-              <a:t>6.12.2016 г.</a:t>
+              <a:t>20.03.17 г.</a:t>
             </a:fld>
             <a:endParaRPr lang="bg-BG"/>
           </a:p>
@@ -1786,7 +1786,7 @@
           <a:p>
             <a:fld id="{3EA744D9-3FBE-48D8-BF2A-85DF203E4D20}" type="datetimeFigureOut">
               <a:rPr lang="bg-BG" smtClean="0"/>
-              <a:t>6.12.2016 г.</a:t>
+              <a:t>20.03.17 г.</a:t>
             </a:fld>
             <a:endParaRPr lang="bg-BG"/>
           </a:p>
@@ -1904,7 +1904,7 @@
           <a:p>
             <a:fld id="{3EA744D9-3FBE-48D8-BF2A-85DF203E4D20}" type="datetimeFigureOut">
               <a:rPr lang="bg-BG" smtClean="0"/>
-              <a:t>6.12.2016 г.</a:t>
+              <a:t>20.03.17 г.</a:t>
             </a:fld>
             <a:endParaRPr lang="bg-BG"/>
           </a:p>
@@ -1999,7 +1999,7 @@
           <a:p>
             <a:fld id="{3EA744D9-3FBE-48D8-BF2A-85DF203E4D20}" type="datetimeFigureOut">
               <a:rPr lang="bg-BG" smtClean="0"/>
-              <a:t>6.12.2016 г.</a:t>
+              <a:t>20.03.17 г.</a:t>
             </a:fld>
             <a:endParaRPr lang="bg-BG"/>
           </a:p>
@@ -2276,7 +2276,7 @@
           <a:p>
             <a:fld id="{3EA744D9-3FBE-48D8-BF2A-85DF203E4D20}" type="datetimeFigureOut">
               <a:rPr lang="bg-BG" smtClean="0"/>
-              <a:t>6.12.2016 г.</a:t>
+              <a:t>20.03.17 г.</a:t>
             </a:fld>
             <a:endParaRPr lang="bg-BG"/>
           </a:p>
@@ -2529,7 +2529,7 @@
           <a:p>
             <a:fld id="{3EA744D9-3FBE-48D8-BF2A-85DF203E4D20}" type="datetimeFigureOut">
               <a:rPr lang="bg-BG" smtClean="0"/>
-              <a:t>6.12.2016 г.</a:t>
+              <a:t>20.03.17 г.</a:t>
             </a:fld>
             <a:endParaRPr lang="bg-BG"/>
           </a:p>
@@ -2751,7 +2751,7 @@
           <a:p>
             <a:fld id="{3EA744D9-3FBE-48D8-BF2A-85DF203E4D20}" type="datetimeFigureOut">
               <a:rPr lang="bg-BG" smtClean="0"/>
-              <a:t>6.12.2016 г.</a:t>
+              <a:t>20.03.17 г.</a:t>
             </a:fld>
             <a:endParaRPr lang="bg-BG"/>
           </a:p>
@@ -3471,14 +3471,6 @@
               </a:rPr>
               <a:t>3. DNS server =&gt; to translate the IP addresses into FQDNs.</a:t>
             </a:r>
-            <a:r>
-              <a:rPr lang="en-US" sz="3100" dirty="0" smtClean="0">
-                <a:solidFill>
-                  <a:schemeClr val="accent6"/>
-                </a:solidFill>
-              </a:rPr>
-              <a:t/>
-            </a:r>
             <a:br>
               <a:rPr lang="en-US" sz="3100" dirty="0" smtClean="0">
                 <a:solidFill>
@@ -3691,19 +3683,6 @@
               </a:rPr>
               <a:t>Networking</a:t>
             </a:r>
-            <a:endParaRPr lang="en-US" sz="3600" dirty="0" smtClean="0">
-              <a:ln w="0"/>
-              <a:solidFill>
-                <a:schemeClr val="accent1"/>
-              </a:solidFill>
-              <a:effectLst>
-                <a:outerShdw blurRad="38100" dist="25400" dir="5400000" algn="ctr" rotWithShape="0">
-                  <a:srgbClr val="6E747A">
-                    <a:alpha val="43000"/>
-                  </a:srgbClr>
-                </a:outerShdw>
-              </a:effectLst>
-            </a:endParaRPr>
           </a:p>
           <a:p>
             <a:endParaRPr lang="en-US" sz="3600" dirty="0"/>
@@ -3801,15 +3780,7 @@
                   <a:schemeClr val="accent6"/>
                 </a:solidFill>
               </a:rPr>
-              <a:t>Private network addresses are for use in internal networks only</a:t>
-            </a:r>
-            <a:r>
-              <a:rPr lang="en-US" sz="2000" dirty="0" smtClean="0">
-                <a:solidFill>
-                  <a:schemeClr val="accent6"/>
-                </a:solidFill>
-              </a:rPr>
-              <a:t>:</a:t>
+              <a:t>Private network addresses are for use in internal networks only:</a:t>
             </a:r>
           </a:p>
           <a:p>
@@ -6227,7 +6198,7 @@
             <a:r>
               <a:rPr lang="en-US" sz="1600" dirty="0" smtClean="0">
                 <a:solidFill>
-                  <a:schemeClr val="accent6"/>
+                  <a:schemeClr val="bg1"/>
                 </a:solidFill>
               </a:rPr>
               <a:t>/</a:t>
@@ -6235,7 +6206,7 @@
             <a:r>
               <a:rPr lang="en-US" sz="1600" dirty="0" err="1" smtClean="0">
                 <a:solidFill>
-                  <a:schemeClr val="accent6"/>
+                  <a:schemeClr val="bg1"/>
                 </a:solidFill>
               </a:rPr>
               <a:t>etc</a:t>
@@ -6243,7 +6214,7 @@
             <a:r>
               <a:rPr lang="en-US" sz="1600" dirty="0" smtClean="0">
                 <a:solidFill>
-                  <a:schemeClr val="accent6"/>
+                  <a:schemeClr val="bg1"/>
                 </a:solidFill>
               </a:rPr>
               <a:t>/</a:t>
@@ -6251,7 +6222,7 @@
             <a:r>
               <a:rPr lang="en-US" sz="1600" dirty="0" err="1" smtClean="0">
                 <a:solidFill>
-                  <a:schemeClr val="accent6"/>
+                  <a:schemeClr val="bg1"/>
                 </a:solidFill>
               </a:rPr>
               <a:t>nsswitch.conf</a:t>
